--- a/Chapter 04 - Docker Volumes.pptx
+++ b/Chapter 04 - Docker Volumes.pptx
@@ -14558,8 +14558,29 @@
                 <a:latin typeface="FantasqueSansMono NF" panose="020B0609020204030204" pitchFamily="49" charset="0"/>
                 <a:ea typeface="FantasqueSansMono NF" panose="020B0609020204030204" pitchFamily="49" charset="0"/>
               </a:rPr>
-              <a:t> s</a:t>
-            </a:r>
+              <a:t> </a:t>
+            </a:r>
+            <a:r>
+              <a:rPr lang="en-US" sz="2000" b="1" i="1" dirty="0" err="1" smtClean="0">
+                <a:solidFill>
+                  <a:schemeClr val="accent2">
+                    <a:lumMod val="75000"/>
+                  </a:schemeClr>
+                </a:solidFill>
+                <a:latin typeface="FantasqueSansMono NF" panose="020B0609020204030204" pitchFamily="49" charset="0"/>
+                <a:ea typeface="FantasqueSansMono NF" panose="020B0609020204030204" pitchFamily="49" charset="0"/>
+              </a:rPr>
+              <a:t>sh</a:t>
+            </a:r>
+            <a:endParaRPr lang="en-US" sz="2000" b="1" i="1" dirty="0">
+              <a:solidFill>
+                <a:schemeClr val="accent2">
+                  <a:lumMod val="75000"/>
+                </a:schemeClr>
+              </a:solidFill>
+              <a:latin typeface="FantasqueSansMono NF" panose="020B0609020204030204" pitchFamily="49" charset="0"/>
+              <a:ea typeface="FantasqueSansMono NF" panose="020B0609020204030204" pitchFamily="49" charset="0"/>
+            </a:endParaRPr>
           </a:p>
           <a:p>
             <a:endParaRPr lang="en-US" sz="2400" b="1" i="1" dirty="0">
@@ -16417,9 +16438,7 @@
             <a:r>
               <a:rPr lang="en-US" sz="2000" b="1" i="1" dirty="0">
                 <a:solidFill>
-                  <a:schemeClr val="accent2">
-                    <a:lumMod val="75000"/>
-                  </a:schemeClr>
+                  <a:srgbClr val="FFC000"/>
                 </a:solidFill>
               </a:rPr>
               <a:t>--mount source=my-</a:t>
@@ -16427,9 +16446,7 @@
             <a:r>
               <a:rPr lang="en-US" sz="2000" b="1" i="1" dirty="0" err="1">
                 <a:solidFill>
-                  <a:schemeClr val="accent2">
-                    <a:lumMod val="75000"/>
-                  </a:schemeClr>
+                  <a:srgbClr val="FFC000"/>
                 </a:solidFill>
               </a:rPr>
               <a:t>volume,target</a:t>
@@ -16437,9 +16454,7 @@
             <a:r>
               <a:rPr lang="en-US" sz="2000" b="1" i="1" dirty="0">
                 <a:solidFill>
-                  <a:schemeClr val="accent2">
-                    <a:lumMod val="75000"/>
-                  </a:schemeClr>
+                  <a:srgbClr val="FFC000"/>
                 </a:solidFill>
               </a:rPr>
               <a:t>=/</a:t>
@@ -16447,9 +16462,7 @@
             <a:r>
               <a:rPr lang="en-US" sz="2000" b="1" i="1" dirty="0" err="1">
                 <a:solidFill>
-                  <a:schemeClr val="accent2">
-                    <a:lumMod val="75000"/>
-                  </a:schemeClr>
+                  <a:srgbClr val="FFC000"/>
                 </a:solidFill>
               </a:rPr>
               <a:t>myvol,readonly</a:t>
@@ -16457,9 +16470,7 @@
             <a:r>
               <a:rPr lang="en-US" sz="2000" b="1" i="1" dirty="0">
                 <a:solidFill>
-                  <a:schemeClr val="accent2">
-                    <a:lumMod val="75000"/>
-                  </a:schemeClr>
+                  <a:srgbClr val="FFC000"/>
                 </a:solidFill>
               </a:rPr>
               <a:t> \</a:t>
@@ -16551,9 +16562,7 @@
             <a:r>
               <a:rPr lang="en-US" sz="2000" b="1" i="1" dirty="0">
                 <a:solidFill>
-                  <a:schemeClr val="accent2">
-                    <a:lumMod val="75000"/>
-                  </a:schemeClr>
+                  <a:srgbClr val="FFC000"/>
                 </a:solidFill>
               </a:rPr>
               <a:t>--mount source=my-</a:t>
@@ -16561,9 +16570,7 @@
             <a:r>
               <a:rPr lang="en-US" sz="2000" b="1" i="1" dirty="0" err="1">
                 <a:solidFill>
-                  <a:schemeClr val="accent2">
-                    <a:lumMod val="75000"/>
-                  </a:schemeClr>
+                  <a:srgbClr val="FFC000"/>
                 </a:solidFill>
               </a:rPr>
               <a:t>volume,destination</a:t>
@@ -16571,9 +16578,7 @@
             <a:r>
               <a:rPr lang="en-US" sz="2000" b="1" i="1" dirty="0">
                 <a:solidFill>
-                  <a:schemeClr val="accent2">
-                    <a:lumMod val="75000"/>
-                  </a:schemeClr>
+                  <a:srgbClr val="FFC000"/>
                 </a:solidFill>
               </a:rPr>
               <a:t>=/</a:t>
@@ -16581,9 +16586,7 @@
             <a:r>
               <a:rPr lang="en-US" sz="2000" b="1" i="1" dirty="0" err="1">
                 <a:solidFill>
-                  <a:schemeClr val="accent2">
-                    <a:lumMod val="75000"/>
-                  </a:schemeClr>
+                  <a:srgbClr val="FFC000"/>
                 </a:solidFill>
               </a:rPr>
               <a:t>myvol,readonly</a:t>
@@ -16591,9 +16594,7 @@
             <a:r>
               <a:rPr lang="en-US" sz="2000" b="1" i="1" dirty="0">
                 <a:solidFill>
-                  <a:schemeClr val="accent2">
-                    <a:lumMod val="75000"/>
-                  </a:schemeClr>
+                  <a:srgbClr val="FFC000"/>
                 </a:solidFill>
               </a:rPr>
               <a:t> \</a:t>
@@ -16685,9 +16686,7 @@
             <a:r>
               <a:rPr lang="en-US" sz="2000" b="1" i="1" dirty="0">
                 <a:solidFill>
-                  <a:schemeClr val="accent2">
-                    <a:lumMod val="75000"/>
-                  </a:schemeClr>
+                  <a:srgbClr val="FFC000"/>
                 </a:solidFill>
               </a:rPr>
               <a:t>-v my-volume:/</a:t>
@@ -16695,9 +16694,7 @@
             <a:r>
               <a:rPr lang="en-US" sz="2000" b="1" i="1" dirty="0" err="1">
                 <a:solidFill>
-                  <a:schemeClr val="accent2">
-                    <a:lumMod val="75000"/>
-                  </a:schemeClr>
+                  <a:srgbClr val="FFC000"/>
                 </a:solidFill>
               </a:rPr>
               <a:t>myvol:ro</a:t>
@@ -16705,9 +16702,7 @@
             <a:r>
               <a:rPr lang="en-US" sz="2000" b="1" i="1" dirty="0">
                 <a:solidFill>
-                  <a:schemeClr val="accent2">
-                    <a:lumMod val="75000"/>
-                  </a:schemeClr>
+                  <a:srgbClr val="FFC000"/>
                 </a:solidFill>
               </a:rPr>
               <a:t> \</a:t>

--- a/Chapter 04 - Docker Volumes.pptx
+++ b/Chapter 04 - Docker Volumes.pptx
@@ -199,7 +199,7 @@
           <a:noFill/>
           <a:extLst>
             <a:ext uri="{909E8E84-426E-40dd-AFC4-6F175D3DCCD1}">
-              <a14:hiddenFill xmlns="" xmlns:a14="http://schemas.microsoft.com/office/drawing/2010/main">
+              <a14:hiddenFill xmlns:a14="http://schemas.microsoft.com/office/drawing/2010/main" xmlns="">
                 <a:solidFill>
                   <a:srgbClr val="FFFFFF"/>
                 </a:solidFill>
@@ -258,7 +258,7 @@
             </a:ln>
             <a:extLst>
               <a:ext uri="{91240B29-F687-4f45-9708-019B960494DF}">
-                <a14:hiddenLine xmlns="" xmlns:a14="http://schemas.microsoft.com/office/drawing/2010/main" w="9525">
+                <a14:hiddenLine xmlns:a14="http://schemas.microsoft.com/office/drawing/2010/main" xmlns="" w="9525">
                   <a:solidFill>
                     <a:srgbClr val="000000"/>
                   </a:solidFill>
@@ -348,7 +348,7 @@
             </a:ln>
             <a:extLst>
               <a:ext uri="{91240B29-F687-4f45-9708-019B960494DF}">
-                <a14:hiddenLine xmlns="" xmlns:a14="http://schemas.microsoft.com/office/drawing/2010/main" w="9525">
+                <a14:hiddenLine xmlns:a14="http://schemas.microsoft.com/office/drawing/2010/main" xmlns="" w="9525">
                   <a:solidFill>
                     <a:srgbClr val="000000"/>
                   </a:solidFill>
@@ -438,7 +438,7 @@
             </a:ln>
             <a:extLst>
               <a:ext uri="{91240B29-F687-4f45-9708-019B960494DF}">
-                <a14:hiddenLine xmlns="" xmlns:a14="http://schemas.microsoft.com/office/drawing/2010/main" w="9525">
+                <a14:hiddenLine xmlns:a14="http://schemas.microsoft.com/office/drawing/2010/main" xmlns="" w="9525">
                   <a:solidFill>
                     <a:srgbClr val="000000"/>
                   </a:solidFill>
@@ -472,7 +472,7 @@
             </a:ln>
             <a:extLst>
               <a:ext uri="{91240B29-F687-4f45-9708-019B960494DF}">
-                <a14:hiddenLine xmlns="" xmlns:a14="http://schemas.microsoft.com/office/drawing/2010/main" w="9525">
+                <a14:hiddenLine xmlns:a14="http://schemas.microsoft.com/office/drawing/2010/main" xmlns="" w="9525">
                   <a:solidFill>
                     <a:srgbClr val="000000"/>
                   </a:solidFill>
@@ -562,7 +562,7 @@
             </a:ln>
             <a:extLst>
               <a:ext uri="{91240B29-F687-4f45-9708-019B960494DF}">
-                <a14:hiddenLine xmlns="" xmlns:a14="http://schemas.microsoft.com/office/drawing/2010/main" w="9525">
+                <a14:hiddenLine xmlns:a14="http://schemas.microsoft.com/office/drawing/2010/main" xmlns="" w="9525">
                   <a:solidFill>
                     <a:srgbClr val="000000"/>
                   </a:solidFill>
@@ -624,7 +624,7 @@
             </a:ln>
             <a:extLst>
               <a:ext uri="{91240B29-F687-4f45-9708-019B960494DF}">
-                <a14:hiddenLine xmlns="" xmlns:a14="http://schemas.microsoft.com/office/drawing/2010/main" w="9525">
+                <a14:hiddenLine xmlns:a14="http://schemas.microsoft.com/office/drawing/2010/main" xmlns="" w="9525">
                   <a:solidFill>
                     <a:srgbClr val="000000"/>
                   </a:solidFill>
@@ -686,7 +686,7 @@
             </a:ln>
             <a:extLst>
               <a:ext uri="{91240B29-F687-4f45-9708-019B960494DF}">
-                <a14:hiddenLine xmlns="" xmlns:a14="http://schemas.microsoft.com/office/drawing/2010/main" w="9525">
+                <a14:hiddenLine xmlns:a14="http://schemas.microsoft.com/office/drawing/2010/main" xmlns="" w="9525">
                   <a:solidFill>
                     <a:srgbClr val="000000"/>
                   </a:solidFill>
@@ -776,7 +776,7 @@
             </a:ln>
             <a:extLst>
               <a:ext uri="{91240B29-F687-4f45-9708-019B960494DF}">
-                <a14:hiddenLine xmlns="" xmlns:a14="http://schemas.microsoft.com/office/drawing/2010/main" w="9525">
+                <a14:hiddenLine xmlns:a14="http://schemas.microsoft.com/office/drawing/2010/main" xmlns="" w="9525">
                   <a:solidFill>
                     <a:srgbClr val="000000"/>
                   </a:solidFill>
@@ -838,7 +838,7 @@
             </a:ln>
             <a:extLst>
               <a:ext uri="{91240B29-F687-4f45-9708-019B960494DF}">
-                <a14:hiddenLine xmlns="" xmlns:a14="http://schemas.microsoft.com/office/drawing/2010/main" w="9525">
+                <a14:hiddenLine xmlns:a14="http://schemas.microsoft.com/office/drawing/2010/main" xmlns="" w="9525">
                   <a:solidFill>
                     <a:srgbClr val="000000"/>
                   </a:solidFill>
@@ -900,7 +900,7 @@
             </a:ln>
             <a:extLst>
               <a:ext uri="{91240B29-F687-4f45-9708-019B960494DF}">
-                <a14:hiddenLine xmlns="" xmlns:a14="http://schemas.microsoft.com/office/drawing/2010/main" w="9525">
+                <a14:hiddenLine xmlns:a14="http://schemas.microsoft.com/office/drawing/2010/main" xmlns="" w="9525">
                   <a:solidFill>
                     <a:srgbClr val="000000"/>
                   </a:solidFill>
@@ -990,7 +990,7 @@
             </a:ln>
             <a:extLst>
               <a:ext uri="{91240B29-F687-4f45-9708-019B960494DF}">
-                <a14:hiddenLine xmlns="" xmlns:a14="http://schemas.microsoft.com/office/drawing/2010/main" w="9525">
+                <a14:hiddenLine xmlns:a14="http://schemas.microsoft.com/office/drawing/2010/main" xmlns="" w="9525">
                   <a:solidFill>
                     <a:srgbClr val="000000"/>
                   </a:solidFill>
@@ -1080,7 +1080,7 @@
             </a:ln>
             <a:extLst>
               <a:ext uri="{91240B29-F687-4f45-9708-019B960494DF}">
-                <a14:hiddenLine xmlns="" xmlns:a14="http://schemas.microsoft.com/office/drawing/2010/main" w="9525">
+                <a14:hiddenLine xmlns:a14="http://schemas.microsoft.com/office/drawing/2010/main" xmlns="" w="9525">
                   <a:solidFill>
                     <a:srgbClr val="000000"/>
                   </a:solidFill>
@@ -1142,7 +1142,7 @@
             </a:ln>
             <a:extLst>
               <a:ext uri="{91240B29-F687-4f45-9708-019B960494DF}">
-                <a14:hiddenLine xmlns="" xmlns:a14="http://schemas.microsoft.com/office/drawing/2010/main" w="9525">
+                <a14:hiddenLine xmlns:a14="http://schemas.microsoft.com/office/drawing/2010/main" xmlns="" w="9525">
                   <a:solidFill>
                     <a:srgbClr val="000000"/>
                   </a:solidFill>
@@ -1252,7 +1252,7 @@
             </a:ln>
             <a:extLst>
               <a:ext uri="{91240B29-F687-4f45-9708-019B960494DF}">
-                <a14:hiddenLine xmlns="" xmlns:a14="http://schemas.microsoft.com/office/drawing/2010/main" w="9525">
+                <a14:hiddenLine xmlns:a14="http://schemas.microsoft.com/office/drawing/2010/main" xmlns="" w="9525">
                   <a:solidFill>
                     <a:srgbClr val="000000"/>
                   </a:solidFill>
@@ -1314,7 +1314,7 @@
             </a:ln>
             <a:extLst>
               <a:ext uri="{91240B29-F687-4f45-9708-019B960494DF}">
-                <a14:hiddenLine xmlns="" xmlns:a14="http://schemas.microsoft.com/office/drawing/2010/main" w="9525">
+                <a14:hiddenLine xmlns:a14="http://schemas.microsoft.com/office/drawing/2010/main" xmlns="" w="9525">
                   <a:solidFill>
                     <a:srgbClr val="000000"/>
                   </a:solidFill>
@@ -1404,7 +1404,7 @@
             </a:ln>
             <a:extLst>
               <a:ext uri="{91240B29-F687-4f45-9708-019B960494DF}">
-                <a14:hiddenLine xmlns="" xmlns:a14="http://schemas.microsoft.com/office/drawing/2010/main" w="9525">
+                <a14:hiddenLine xmlns:a14="http://schemas.microsoft.com/office/drawing/2010/main" xmlns="" w="9525">
                   <a:solidFill>
                     <a:srgbClr val="000000"/>
                   </a:solidFill>
@@ -1494,7 +1494,7 @@
             </a:ln>
             <a:extLst>
               <a:ext uri="{91240B29-F687-4f45-9708-019B960494DF}">
-                <a14:hiddenLine xmlns="" xmlns:a14="http://schemas.microsoft.com/office/drawing/2010/main" w="9525">
+                <a14:hiddenLine xmlns:a14="http://schemas.microsoft.com/office/drawing/2010/main" xmlns="" w="9525">
                   <a:solidFill>
                     <a:srgbClr val="000000"/>
                   </a:solidFill>
@@ -1556,7 +1556,7 @@
             </a:ln>
             <a:extLst>
               <a:ext uri="{91240B29-F687-4f45-9708-019B960494DF}">
-                <a14:hiddenLine xmlns="" xmlns:a14="http://schemas.microsoft.com/office/drawing/2010/main" w="9525">
+                <a14:hiddenLine xmlns:a14="http://schemas.microsoft.com/office/drawing/2010/main" xmlns="" w="9525">
                   <a:solidFill>
                     <a:srgbClr val="000000"/>
                   </a:solidFill>
@@ -1646,7 +1646,7 @@
             </a:ln>
             <a:extLst>
               <a:ext uri="{91240B29-F687-4f45-9708-019B960494DF}">
-                <a14:hiddenLine xmlns="" xmlns:a14="http://schemas.microsoft.com/office/drawing/2010/main" w="9525">
+                <a14:hiddenLine xmlns:a14="http://schemas.microsoft.com/office/drawing/2010/main" xmlns="" w="9525">
                   <a:solidFill>
                     <a:srgbClr val="000000"/>
                   </a:solidFill>
@@ -1736,7 +1736,7 @@
             </a:ln>
             <a:extLst>
               <a:ext uri="{91240B29-F687-4f45-9708-019B960494DF}">
-                <a14:hiddenLine xmlns="" xmlns:a14="http://schemas.microsoft.com/office/drawing/2010/main" w="9525">
+                <a14:hiddenLine xmlns:a14="http://schemas.microsoft.com/office/drawing/2010/main" xmlns="" w="9525">
                   <a:solidFill>
                     <a:srgbClr val="000000"/>
                   </a:solidFill>
@@ -1792,7 +1792,7 @@
             </a:ln>
             <a:extLst>
               <a:ext uri="{91240B29-F687-4f45-9708-019B960494DF}">
-                <a14:hiddenLine xmlns="" xmlns:a14="http://schemas.microsoft.com/office/drawing/2010/main" w="9525">
+                <a14:hiddenLine xmlns:a14="http://schemas.microsoft.com/office/drawing/2010/main" xmlns="" w="9525">
                   <a:solidFill>
                     <a:srgbClr val="000000"/>
                   </a:solidFill>
@@ -1882,7 +1882,7 @@
             </a:ln>
             <a:extLst>
               <a:ext uri="{91240B29-F687-4f45-9708-019B960494DF}">
-                <a14:hiddenLine xmlns="" xmlns:a14="http://schemas.microsoft.com/office/drawing/2010/main" w="9525">
+                <a14:hiddenLine xmlns:a14="http://schemas.microsoft.com/office/drawing/2010/main" xmlns="" w="9525">
                   <a:solidFill>
                     <a:srgbClr val="000000"/>
                   </a:solidFill>
@@ -1938,7 +1938,7 @@
             </a:ln>
             <a:extLst>
               <a:ext uri="{91240B29-F687-4f45-9708-019B960494DF}">
-                <a14:hiddenLine xmlns="" xmlns:a14="http://schemas.microsoft.com/office/drawing/2010/main" w="9525">
+                <a14:hiddenLine xmlns:a14="http://schemas.microsoft.com/office/drawing/2010/main" xmlns="" w="9525">
                   <a:solidFill>
                     <a:srgbClr val="000000"/>
                   </a:solidFill>
@@ -2028,7 +2028,7 @@
             </a:ln>
             <a:extLst>
               <a:ext uri="{91240B29-F687-4f45-9708-019B960494DF}">
-                <a14:hiddenLine xmlns="" xmlns:a14="http://schemas.microsoft.com/office/drawing/2010/main" w="9525">
+                <a14:hiddenLine xmlns:a14="http://schemas.microsoft.com/office/drawing/2010/main" xmlns="" w="9525">
                   <a:solidFill>
                     <a:srgbClr val="000000"/>
                   </a:solidFill>
@@ -2096,7 +2096,7 @@
             </a:ln>
             <a:extLst>
               <a:ext uri="{91240B29-F687-4f45-9708-019B960494DF}">
-                <a14:hiddenLine xmlns="" xmlns:a14="http://schemas.microsoft.com/office/drawing/2010/main" w="9525">
+                <a14:hiddenLine xmlns:a14="http://schemas.microsoft.com/office/drawing/2010/main" xmlns="" w="9525">
                   <a:solidFill>
                     <a:srgbClr val="000000"/>
                   </a:solidFill>
@@ -2186,7 +2186,7 @@
             </a:ln>
             <a:extLst>
               <a:ext uri="{91240B29-F687-4f45-9708-019B960494DF}">
-                <a14:hiddenLine xmlns="" xmlns:a14="http://schemas.microsoft.com/office/drawing/2010/main" w="9525">
+                <a14:hiddenLine xmlns:a14="http://schemas.microsoft.com/office/drawing/2010/main" xmlns="" w="9525">
                   <a:solidFill>
                     <a:srgbClr val="000000"/>
                   </a:solidFill>
@@ -2254,7 +2254,7 @@
             </a:ln>
             <a:extLst>
               <a:ext uri="{91240B29-F687-4f45-9708-019B960494DF}">
-                <a14:hiddenLine xmlns="" xmlns:a14="http://schemas.microsoft.com/office/drawing/2010/main" w="9525">
+                <a14:hiddenLine xmlns:a14="http://schemas.microsoft.com/office/drawing/2010/main" xmlns="" w="9525">
                   <a:solidFill>
                     <a:srgbClr val="000000"/>
                   </a:solidFill>
@@ -2344,7 +2344,7 @@
             </a:ln>
             <a:extLst>
               <a:ext uri="{91240B29-F687-4f45-9708-019B960494DF}">
-                <a14:hiddenLine xmlns="" xmlns:a14="http://schemas.microsoft.com/office/drawing/2010/main" w="9525">
+                <a14:hiddenLine xmlns:a14="http://schemas.microsoft.com/office/drawing/2010/main" xmlns="" w="9525">
                   <a:solidFill>
                     <a:srgbClr val="000000"/>
                   </a:solidFill>
@@ -2378,7 +2378,7 @@
             </a:ln>
             <a:extLst>
               <a:ext uri="{91240B29-F687-4f45-9708-019B960494DF}">
-                <a14:hiddenLine xmlns="" xmlns:a14="http://schemas.microsoft.com/office/drawing/2010/main" w="9525">
+                <a14:hiddenLine xmlns:a14="http://schemas.microsoft.com/office/drawing/2010/main" xmlns="" w="9525">
                   <a:solidFill>
                     <a:srgbClr val="000000"/>
                   </a:solidFill>
@@ -2468,7 +2468,7 @@
             </a:ln>
             <a:extLst>
               <a:ext uri="{91240B29-F687-4f45-9708-019B960494DF}">
-                <a14:hiddenLine xmlns="" xmlns:a14="http://schemas.microsoft.com/office/drawing/2010/main" w="9525">
+                <a14:hiddenLine xmlns:a14="http://schemas.microsoft.com/office/drawing/2010/main" xmlns="" w="9525">
                   <a:solidFill>
                     <a:srgbClr val="000000"/>
                   </a:solidFill>
@@ -2530,7 +2530,7 @@
             </a:ln>
             <a:extLst>
               <a:ext uri="{91240B29-F687-4f45-9708-019B960494DF}">
-                <a14:hiddenLine xmlns="" xmlns:a14="http://schemas.microsoft.com/office/drawing/2010/main" w="9525">
+                <a14:hiddenLine xmlns:a14="http://schemas.microsoft.com/office/drawing/2010/main" xmlns="" w="9525">
                   <a:solidFill>
                     <a:srgbClr val="000000"/>
                   </a:solidFill>
@@ -2592,7 +2592,7 @@
             </a:ln>
             <a:extLst>
               <a:ext uri="{91240B29-F687-4f45-9708-019B960494DF}">
-                <a14:hiddenLine xmlns="" xmlns:a14="http://schemas.microsoft.com/office/drawing/2010/main" w="9525">
+                <a14:hiddenLine xmlns:a14="http://schemas.microsoft.com/office/drawing/2010/main" xmlns="" w="9525">
                   <a:solidFill>
                     <a:srgbClr val="000000"/>
                   </a:solidFill>
@@ -2682,7 +2682,7 @@
             </a:ln>
             <a:extLst>
               <a:ext uri="{91240B29-F687-4f45-9708-019B960494DF}">
-                <a14:hiddenLine xmlns="" xmlns:a14="http://schemas.microsoft.com/office/drawing/2010/main" w="9525">
+                <a14:hiddenLine xmlns:a14="http://schemas.microsoft.com/office/drawing/2010/main" xmlns="" w="9525">
                   <a:solidFill>
                     <a:srgbClr val="000000"/>
                   </a:solidFill>
@@ -2750,7 +2750,7 @@
             </a:ln>
             <a:extLst>
               <a:ext uri="{91240B29-F687-4f45-9708-019B960494DF}">
-                <a14:hiddenLine xmlns="" xmlns:a14="http://schemas.microsoft.com/office/drawing/2010/main" w="9525">
+                <a14:hiddenLine xmlns:a14="http://schemas.microsoft.com/office/drawing/2010/main" xmlns="" w="9525">
                   <a:solidFill>
                     <a:srgbClr val="000000"/>
                   </a:solidFill>
@@ -2812,7 +2812,7 @@
             </a:ln>
             <a:extLst>
               <a:ext uri="{91240B29-F687-4f45-9708-019B960494DF}">
-                <a14:hiddenLine xmlns="" xmlns:a14="http://schemas.microsoft.com/office/drawing/2010/main" w="9525">
+                <a14:hiddenLine xmlns:a14="http://schemas.microsoft.com/office/drawing/2010/main" xmlns="" w="9525">
                   <a:solidFill>
                     <a:srgbClr val="000000"/>
                   </a:solidFill>
@@ -2902,7 +2902,7 @@
             </a:ln>
             <a:extLst>
               <a:ext uri="{91240B29-F687-4f45-9708-019B960494DF}">
-                <a14:hiddenLine xmlns="" xmlns:a14="http://schemas.microsoft.com/office/drawing/2010/main" w="9525">
+                <a14:hiddenLine xmlns:a14="http://schemas.microsoft.com/office/drawing/2010/main" xmlns="" w="9525">
                   <a:solidFill>
                     <a:srgbClr val="000000"/>
                   </a:solidFill>
@@ -2964,7 +2964,7 @@
             </a:ln>
             <a:extLst>
               <a:ext uri="{91240B29-F687-4f45-9708-019B960494DF}">
-                <a14:hiddenLine xmlns="" xmlns:a14="http://schemas.microsoft.com/office/drawing/2010/main" w="9525">
+                <a14:hiddenLine xmlns:a14="http://schemas.microsoft.com/office/drawing/2010/main" xmlns="" w="9525">
                   <a:solidFill>
                     <a:srgbClr val="000000"/>
                   </a:solidFill>
@@ -3054,7 +3054,7 @@
             </a:ln>
             <a:extLst>
               <a:ext uri="{91240B29-F687-4f45-9708-019B960494DF}">
-                <a14:hiddenLine xmlns="" xmlns:a14="http://schemas.microsoft.com/office/drawing/2010/main" w="9525">
+                <a14:hiddenLine xmlns:a14="http://schemas.microsoft.com/office/drawing/2010/main" xmlns="" w="9525">
                   <a:solidFill>
                     <a:srgbClr val="000000"/>
                   </a:solidFill>
@@ -3116,7 +3116,7 @@
             </a:ln>
             <a:extLst>
               <a:ext uri="{91240B29-F687-4f45-9708-019B960494DF}">
-                <a14:hiddenLine xmlns="" xmlns:a14="http://schemas.microsoft.com/office/drawing/2010/main" w="9525">
+                <a14:hiddenLine xmlns:a14="http://schemas.microsoft.com/office/drawing/2010/main" xmlns="" w="9525">
                   <a:solidFill>
                     <a:srgbClr val="000000"/>
                   </a:solidFill>
@@ -3206,7 +3206,7 @@
             </a:ln>
             <a:extLst>
               <a:ext uri="{91240B29-F687-4f45-9708-019B960494DF}">
-                <a14:hiddenLine xmlns="" xmlns:a14="http://schemas.microsoft.com/office/drawing/2010/main" w="9525">
+                <a14:hiddenLine xmlns:a14="http://schemas.microsoft.com/office/drawing/2010/main" xmlns="" w="9525">
                   <a:solidFill>
                     <a:srgbClr val="000000"/>
                   </a:solidFill>
@@ -3240,7 +3240,7 @@
             </a:ln>
             <a:extLst>
               <a:ext uri="{91240B29-F687-4f45-9708-019B960494DF}">
-                <a14:hiddenLine xmlns="" xmlns:a14="http://schemas.microsoft.com/office/drawing/2010/main" w="9525">
+                <a14:hiddenLine xmlns:a14="http://schemas.microsoft.com/office/drawing/2010/main" xmlns="" w="9525">
                   <a:solidFill>
                     <a:srgbClr val="000000"/>
                   </a:solidFill>
@@ -3305,7 +3305,7 @@
             </a:ln>
             <a:extLst>
               <a:ext uri="{91240B29-F687-4f45-9708-019B960494DF}">
-                <a14:hiddenLine xmlns="" xmlns:a14="http://schemas.microsoft.com/office/drawing/2010/main" w="9525">
+                <a14:hiddenLine xmlns:a14="http://schemas.microsoft.com/office/drawing/2010/main" xmlns="" w="9525">
                   <a:solidFill>
                     <a:srgbClr val="000000"/>
                   </a:solidFill>
@@ -3395,7 +3395,7 @@
             </a:ln>
             <a:extLst>
               <a:ext uri="{91240B29-F687-4f45-9708-019B960494DF}">
-                <a14:hiddenLine xmlns="" xmlns:a14="http://schemas.microsoft.com/office/drawing/2010/main" w="9525">
+                <a14:hiddenLine xmlns:a14="http://schemas.microsoft.com/office/drawing/2010/main" xmlns="" w="9525">
                   <a:solidFill>
                     <a:srgbClr val="000000"/>
                   </a:solidFill>
@@ -3457,7 +3457,7 @@
             </a:ln>
             <a:extLst>
               <a:ext uri="{91240B29-F687-4f45-9708-019B960494DF}">
-                <a14:hiddenLine xmlns="" xmlns:a14="http://schemas.microsoft.com/office/drawing/2010/main" w="9525">
+                <a14:hiddenLine xmlns:a14="http://schemas.microsoft.com/office/drawing/2010/main" xmlns="" w="9525">
                   <a:solidFill>
                     <a:srgbClr val="000000"/>
                   </a:solidFill>
@@ -3547,7 +3547,7 @@
             </a:ln>
             <a:extLst>
               <a:ext uri="{91240B29-F687-4f45-9708-019B960494DF}">
-                <a14:hiddenLine xmlns="" xmlns:a14="http://schemas.microsoft.com/office/drawing/2010/main" w="9525">
+                <a14:hiddenLine xmlns:a14="http://schemas.microsoft.com/office/drawing/2010/main" xmlns="" w="9525">
                   <a:solidFill>
                     <a:srgbClr val="000000"/>
                   </a:solidFill>
@@ -3637,7 +3637,7 @@
             </a:ln>
             <a:extLst>
               <a:ext uri="{91240B29-F687-4f45-9708-019B960494DF}">
-                <a14:hiddenLine xmlns="" xmlns:a14="http://schemas.microsoft.com/office/drawing/2010/main" w="9525">
+                <a14:hiddenLine xmlns:a14="http://schemas.microsoft.com/office/drawing/2010/main" xmlns="" w="9525">
                   <a:solidFill>
                     <a:srgbClr val="000000"/>
                   </a:solidFill>
@@ -3702,7 +3702,7 @@
             </a:ln>
             <a:extLst>
               <a:ext uri="{91240B29-F687-4f45-9708-019B960494DF}">
-                <a14:hiddenLine xmlns="" xmlns:a14="http://schemas.microsoft.com/office/drawing/2010/main" w="9525">
+                <a14:hiddenLine xmlns:a14="http://schemas.microsoft.com/office/drawing/2010/main" xmlns="" w="9525">
                   <a:solidFill>
                     <a:srgbClr val="000000"/>
                   </a:solidFill>
@@ -3764,7 +3764,7 @@
             </a:ln>
             <a:extLst>
               <a:ext uri="{91240B29-F687-4f45-9708-019B960494DF}">
-                <a14:hiddenLine xmlns="" xmlns:a14="http://schemas.microsoft.com/office/drawing/2010/main" w="9525">
+                <a14:hiddenLine xmlns:a14="http://schemas.microsoft.com/office/drawing/2010/main" xmlns="" w="9525">
                   <a:solidFill>
                     <a:srgbClr val="000000"/>
                   </a:solidFill>
@@ -3854,7 +3854,7 @@
             </a:ln>
             <a:extLst>
               <a:ext uri="{91240B29-F687-4f45-9708-019B960494DF}">
-                <a14:hiddenLine xmlns="" xmlns:a14="http://schemas.microsoft.com/office/drawing/2010/main" w="9525">
+                <a14:hiddenLine xmlns:a14="http://schemas.microsoft.com/office/drawing/2010/main" xmlns="" w="9525">
                   <a:solidFill>
                     <a:srgbClr val="000000"/>
                   </a:solidFill>
@@ -3944,7 +3944,7 @@
             </a:ln>
             <a:extLst>
               <a:ext uri="{91240B29-F687-4f45-9708-019B960494DF}">
-                <a14:hiddenLine xmlns="" xmlns:a14="http://schemas.microsoft.com/office/drawing/2010/main" w="9525">
+                <a14:hiddenLine xmlns:a14="http://schemas.microsoft.com/office/drawing/2010/main" xmlns="" w="9525">
                   <a:solidFill>
                     <a:srgbClr val="000000"/>
                   </a:solidFill>
@@ -4006,7 +4006,7 @@
             </a:ln>
             <a:extLst>
               <a:ext uri="{91240B29-F687-4f45-9708-019B960494DF}">
-                <a14:hiddenLine xmlns="" xmlns:a14="http://schemas.microsoft.com/office/drawing/2010/main" w="9525">
+                <a14:hiddenLine xmlns:a14="http://schemas.microsoft.com/office/drawing/2010/main" xmlns="" w="9525">
                   <a:solidFill>
                     <a:srgbClr val="000000"/>
                   </a:solidFill>
@@ -4126,7 +4126,7 @@
             </a:ln>
             <a:extLst>
               <a:ext uri="{91240B29-F687-4f45-9708-019B960494DF}">
-                <a14:hiddenLine xmlns="" xmlns:a14="http://schemas.microsoft.com/office/drawing/2010/main" w="9525">
+                <a14:hiddenLine xmlns:a14="http://schemas.microsoft.com/office/drawing/2010/main" xmlns="" w="9525">
                   <a:solidFill>
                     <a:srgbClr val="000000"/>
                   </a:solidFill>
@@ -4194,7 +4194,7 @@
             </a:ln>
             <a:extLst>
               <a:ext uri="{91240B29-F687-4f45-9708-019B960494DF}">
-                <a14:hiddenLine xmlns="" xmlns:a14="http://schemas.microsoft.com/office/drawing/2010/main" w="9525">
+                <a14:hiddenLine xmlns:a14="http://schemas.microsoft.com/office/drawing/2010/main" xmlns="" w="9525">
                   <a:solidFill>
                     <a:srgbClr val="000000"/>
                   </a:solidFill>
@@ -4284,7 +4284,7 @@
             </a:ln>
             <a:extLst>
               <a:ext uri="{91240B29-F687-4f45-9708-019B960494DF}">
-                <a14:hiddenLine xmlns="" xmlns:a14="http://schemas.microsoft.com/office/drawing/2010/main" w="9525">
+                <a14:hiddenLine xmlns:a14="http://schemas.microsoft.com/office/drawing/2010/main" xmlns="" w="9525">
                   <a:solidFill>
                     <a:srgbClr val="000000"/>
                   </a:solidFill>
@@ -4424,7 +4424,7 @@
           <a:p>
             <a:fld id="{48A87A34-81AB-432B-8DAE-1953F412C126}" type="datetimeFigureOut">
               <a:rPr lang="en-US" dirty="0"/>
-              <a:t>9/30/2021</a:t>
+              <a:t>10/20/2021</a:t>
             </a:fld>
             <a:endParaRPr lang="en-US" dirty="0"/>
           </a:p>
@@ -4686,7 +4686,7 @@
           <a:p>
             <a:fld id="{48A87A34-81AB-432B-8DAE-1953F412C126}" type="datetimeFigureOut">
               <a:rPr lang="en-US" dirty="0"/>
-              <a:t>9/30/2021</a:t>
+              <a:t>10/20/2021</a:t>
             </a:fld>
             <a:endParaRPr lang="en-US" dirty="0"/>
           </a:p>
@@ -4877,7 +4877,7 @@
           <a:p>
             <a:fld id="{48A87A34-81AB-432B-8DAE-1953F412C126}" type="datetimeFigureOut">
               <a:rPr lang="en-US" dirty="0"/>
-              <a:t>9/30/2021</a:t>
+              <a:t>10/20/2021</a:t>
             </a:fld>
             <a:endParaRPr lang="en-US" dirty="0"/>
           </a:p>
@@ -5135,7 +5135,7 @@
           <a:p>
             <a:fld id="{48A87A34-81AB-432B-8DAE-1953F412C126}" type="datetimeFigureOut">
               <a:rPr lang="en-US" dirty="0"/>
-              <a:t>9/30/2021</a:t>
+              <a:t>10/20/2021</a:t>
             </a:fld>
             <a:endParaRPr lang="en-US" dirty="0"/>
           </a:p>
@@ -5564,7 +5564,7 @@
           <a:p>
             <a:fld id="{48A87A34-81AB-432B-8DAE-1953F412C126}" type="datetimeFigureOut">
               <a:rPr lang="en-US" dirty="0"/>
-              <a:t>9/30/2021</a:t>
+              <a:t>10/20/2021</a:t>
             </a:fld>
             <a:endParaRPr lang="en-US" dirty="0"/>
           </a:p>
@@ -6105,7 +6105,7 @@
           <a:p>
             <a:fld id="{48A87A34-81AB-432B-8DAE-1953F412C126}" type="datetimeFigureOut">
               <a:rPr lang="en-US" dirty="0"/>
-              <a:t>9/30/2021</a:t>
+              <a:t>10/20/2021</a:t>
             </a:fld>
             <a:endParaRPr lang="en-US" dirty="0"/>
           </a:p>
@@ -6820,7 +6820,7 @@
           <a:p>
             <a:fld id="{48A87A34-81AB-432B-8DAE-1953F412C126}" type="datetimeFigureOut">
               <a:rPr lang="en-US" dirty="0"/>
-              <a:t>9/30/2021</a:t>
+              <a:t>10/20/2021</a:t>
             </a:fld>
             <a:endParaRPr lang="en-US" dirty="0"/>
           </a:p>
@@ -6985,7 +6985,7 @@
           <a:p>
             <a:fld id="{48A87A34-81AB-432B-8DAE-1953F412C126}" type="datetimeFigureOut">
               <a:rPr lang="en-US" dirty="0"/>
-              <a:t>9/30/2021</a:t>
+              <a:t>10/20/2021</a:t>
             </a:fld>
             <a:endParaRPr lang="en-US" dirty="0"/>
           </a:p>
@@ -7160,7 +7160,7 @@
           <a:p>
             <a:fld id="{48A87A34-81AB-432B-8DAE-1953F412C126}" type="datetimeFigureOut">
               <a:rPr lang="en-US" dirty="0"/>
-              <a:t>9/30/2021</a:t>
+              <a:t>10/20/2021</a:t>
             </a:fld>
             <a:endParaRPr lang="en-US" dirty="0"/>
           </a:p>
@@ -7325,7 +7325,7 @@
           <a:p>
             <a:fld id="{48A87A34-81AB-432B-8DAE-1953F412C126}" type="datetimeFigureOut">
               <a:rPr lang="en-US" dirty="0"/>
-              <a:t>9/30/2021</a:t>
+              <a:t>10/20/2021</a:t>
             </a:fld>
             <a:endParaRPr lang="en-US" dirty="0"/>
           </a:p>
@@ -7570,7 +7570,7 @@
           <a:p>
             <a:fld id="{48A87A34-81AB-432B-8DAE-1953F412C126}" type="datetimeFigureOut">
               <a:rPr lang="en-US" dirty="0"/>
-              <a:t>9/30/2021</a:t>
+              <a:t>10/20/2021</a:t>
             </a:fld>
             <a:endParaRPr lang="en-US" dirty="0"/>
           </a:p>
@@ -7797,7 +7797,7 @@
           <a:p>
             <a:fld id="{48A87A34-81AB-432B-8DAE-1953F412C126}" type="datetimeFigureOut">
               <a:rPr lang="en-US" dirty="0"/>
-              <a:t>9/30/2021</a:t>
+              <a:t>10/20/2021</a:t>
             </a:fld>
             <a:endParaRPr lang="en-US" dirty="0"/>
           </a:p>
@@ -8173,7 +8173,7 @@
           <a:p>
             <a:fld id="{48A87A34-81AB-432B-8DAE-1953F412C126}" type="datetimeFigureOut">
               <a:rPr lang="en-US" dirty="0"/>
-              <a:t>9/30/2021</a:t>
+              <a:t>10/20/2021</a:t>
             </a:fld>
             <a:endParaRPr lang="en-US" dirty="0"/>
           </a:p>
@@ -8286,7 +8286,7 @@
           <a:p>
             <a:fld id="{48A87A34-81AB-432B-8DAE-1953F412C126}" type="datetimeFigureOut">
               <a:rPr lang="en-US" dirty="0"/>
-              <a:t>9/30/2021</a:t>
+              <a:t>10/20/2021</a:t>
             </a:fld>
             <a:endParaRPr lang="en-US" dirty="0"/>
           </a:p>
@@ -8376,7 +8376,7 @@
           <a:p>
             <a:fld id="{48A87A34-81AB-432B-8DAE-1953F412C126}" type="datetimeFigureOut">
               <a:rPr lang="en-US" dirty="0"/>
-              <a:t>9/30/2021</a:t>
+              <a:t>10/20/2021</a:t>
             </a:fld>
             <a:endParaRPr lang="en-US" dirty="0"/>
           </a:p>
@@ -8620,7 +8620,7 @@
           <a:p>
             <a:fld id="{48A87A34-81AB-432B-8DAE-1953F412C126}" type="datetimeFigureOut">
               <a:rPr lang="en-US" dirty="0"/>
-              <a:t>9/30/2021</a:t>
+              <a:t>10/20/2021</a:t>
             </a:fld>
             <a:endParaRPr lang="en-US" dirty="0"/>
           </a:p>
@@ -8895,7 +8895,7 @@
           <a:p>
             <a:fld id="{48A87A34-81AB-432B-8DAE-1953F412C126}" type="datetimeFigureOut">
               <a:rPr lang="en-US" dirty="0"/>
-              <a:t>9/30/2021</a:t>
+              <a:t>10/20/2021</a:t>
             </a:fld>
             <a:endParaRPr lang="en-US" dirty="0"/>
           </a:p>
@@ -9013,7 +9013,7 @@
           <a:noFill/>
           <a:extLst>
             <a:ext uri="{909E8E84-426E-40dd-AFC4-6F175D3DCCD1}">
-              <a14:hiddenFill xmlns="" xmlns:a14="http://schemas.microsoft.com/office/drawing/2010/main">
+              <a14:hiddenFill xmlns:a14="http://schemas.microsoft.com/office/drawing/2010/main" xmlns="">
                 <a:solidFill>
                   <a:srgbClr val="FFFFFF"/>
                 </a:solidFill>
@@ -9087,7 +9087,7 @@
               </a:ln>
               <a:extLst>
                 <a:ext uri="{91240B29-F687-4f45-9708-019B960494DF}">
-                  <a14:hiddenLine xmlns="" xmlns:a14="http://schemas.microsoft.com/office/drawing/2010/main" w="9525">
+                  <a14:hiddenLine xmlns:a14="http://schemas.microsoft.com/office/drawing/2010/main" xmlns="" w="9525">
                     <a:solidFill>
                       <a:srgbClr val="000000"/>
                     </a:solidFill>
@@ -9177,7 +9177,7 @@
               </a:ln>
               <a:extLst>
                 <a:ext uri="{91240B29-F687-4f45-9708-019B960494DF}">
-                  <a14:hiddenLine xmlns="" xmlns:a14="http://schemas.microsoft.com/office/drawing/2010/main" w="9525">
+                  <a14:hiddenLine xmlns:a14="http://schemas.microsoft.com/office/drawing/2010/main" xmlns="" w="9525">
                     <a:solidFill>
                       <a:srgbClr val="000000"/>
                     </a:solidFill>
@@ -9267,7 +9267,7 @@
               </a:ln>
               <a:extLst>
                 <a:ext uri="{91240B29-F687-4f45-9708-019B960494DF}">
-                  <a14:hiddenLine xmlns="" xmlns:a14="http://schemas.microsoft.com/office/drawing/2010/main" w="9525">
+                  <a14:hiddenLine xmlns:a14="http://schemas.microsoft.com/office/drawing/2010/main" xmlns="" w="9525">
                     <a:solidFill>
                       <a:srgbClr val="000000"/>
                     </a:solidFill>
@@ -9329,7 +9329,7 @@
               </a:ln>
               <a:extLst>
                 <a:ext uri="{91240B29-F687-4f45-9708-019B960494DF}">
-                  <a14:hiddenLine xmlns="" xmlns:a14="http://schemas.microsoft.com/office/drawing/2010/main" w="9525">
+                  <a14:hiddenLine xmlns:a14="http://schemas.microsoft.com/office/drawing/2010/main" xmlns="" w="9525">
                     <a:solidFill>
                       <a:srgbClr val="000000"/>
                     </a:solidFill>
@@ -9419,7 +9419,7 @@
               </a:ln>
               <a:extLst>
                 <a:ext uri="{91240B29-F687-4f45-9708-019B960494DF}">
-                  <a14:hiddenLine xmlns="" xmlns:a14="http://schemas.microsoft.com/office/drawing/2010/main" w="9525">
+                  <a14:hiddenLine xmlns:a14="http://schemas.microsoft.com/office/drawing/2010/main" xmlns="" w="9525">
                     <a:solidFill>
                       <a:srgbClr val="000000"/>
                     </a:solidFill>
@@ -9481,7 +9481,7 @@
               </a:ln>
               <a:extLst>
                 <a:ext uri="{91240B29-F687-4f45-9708-019B960494DF}">
-                  <a14:hiddenLine xmlns="" xmlns:a14="http://schemas.microsoft.com/office/drawing/2010/main" w="9525">
+                  <a14:hiddenLine xmlns:a14="http://schemas.microsoft.com/office/drawing/2010/main" xmlns="" w="9525">
                     <a:solidFill>
                       <a:srgbClr val="000000"/>
                     </a:solidFill>
@@ -9543,7 +9543,7 @@
               </a:ln>
               <a:extLst>
                 <a:ext uri="{91240B29-F687-4f45-9708-019B960494DF}">
-                  <a14:hiddenLine xmlns="" xmlns:a14="http://schemas.microsoft.com/office/drawing/2010/main" w="9525">
+                  <a14:hiddenLine xmlns:a14="http://schemas.microsoft.com/office/drawing/2010/main" xmlns="" w="9525">
                     <a:solidFill>
                       <a:srgbClr val="000000"/>
                     </a:solidFill>
@@ -9633,7 +9633,7 @@
               </a:ln>
               <a:extLst>
                 <a:ext uri="{91240B29-F687-4f45-9708-019B960494DF}">
-                  <a14:hiddenLine xmlns="" xmlns:a14="http://schemas.microsoft.com/office/drawing/2010/main" w="9525">
+                  <a14:hiddenLine xmlns:a14="http://schemas.microsoft.com/office/drawing/2010/main" xmlns="" w="9525">
                     <a:solidFill>
                       <a:srgbClr val="000000"/>
                     </a:solidFill>
@@ -9723,7 +9723,7 @@
               </a:ln>
               <a:extLst>
                 <a:ext uri="{91240B29-F687-4f45-9708-019B960494DF}">
-                  <a14:hiddenLine xmlns="" xmlns:a14="http://schemas.microsoft.com/office/drawing/2010/main" w="9525">
+                  <a14:hiddenLine xmlns:a14="http://schemas.microsoft.com/office/drawing/2010/main" xmlns="" w="9525">
                     <a:solidFill>
                       <a:srgbClr val="000000"/>
                     </a:solidFill>
@@ -9785,7 +9785,7 @@
               </a:ln>
               <a:extLst>
                 <a:ext uri="{91240B29-F687-4f45-9708-019B960494DF}">
-                  <a14:hiddenLine xmlns="" xmlns:a14="http://schemas.microsoft.com/office/drawing/2010/main" w="9525">
+                  <a14:hiddenLine xmlns:a14="http://schemas.microsoft.com/office/drawing/2010/main" xmlns="" w="9525">
                     <a:solidFill>
                       <a:srgbClr val="000000"/>
                     </a:solidFill>
@@ -9895,7 +9895,7 @@
               </a:ln>
               <a:extLst>
                 <a:ext uri="{91240B29-F687-4f45-9708-019B960494DF}">
-                  <a14:hiddenLine xmlns="" xmlns:a14="http://schemas.microsoft.com/office/drawing/2010/main" w="9525">
+                  <a14:hiddenLine xmlns:a14="http://schemas.microsoft.com/office/drawing/2010/main" xmlns="" w="9525">
                     <a:solidFill>
                       <a:srgbClr val="000000"/>
                     </a:solidFill>
@@ -9979,7 +9979,7 @@
               </a:ln>
               <a:extLst>
                 <a:ext uri="{91240B29-F687-4f45-9708-019B960494DF}">
-                  <a14:hiddenLine xmlns="" xmlns:a14="http://schemas.microsoft.com/office/drawing/2010/main" w="9525">
+                  <a14:hiddenLine xmlns:a14="http://schemas.microsoft.com/office/drawing/2010/main" xmlns="" w="9525">
                     <a:solidFill>
                       <a:srgbClr val="000000"/>
                     </a:solidFill>
@@ -10041,7 +10041,7 @@
               </a:ln>
               <a:extLst>
                 <a:ext uri="{91240B29-F687-4f45-9708-019B960494DF}">
-                  <a14:hiddenLine xmlns="" xmlns:a14="http://schemas.microsoft.com/office/drawing/2010/main" w="9525">
+                  <a14:hiddenLine xmlns:a14="http://schemas.microsoft.com/office/drawing/2010/main" xmlns="" w="9525">
                     <a:solidFill>
                       <a:srgbClr val="000000"/>
                     </a:solidFill>
@@ -10103,7 +10103,7 @@
               </a:ln>
               <a:extLst>
                 <a:ext uri="{91240B29-F687-4f45-9708-019B960494DF}">
-                  <a14:hiddenLine xmlns="" xmlns:a14="http://schemas.microsoft.com/office/drawing/2010/main" w="9525">
+                  <a14:hiddenLine xmlns:a14="http://schemas.microsoft.com/office/drawing/2010/main" xmlns="" w="9525">
                     <a:solidFill>
                       <a:srgbClr val="000000"/>
                     </a:solidFill>
@@ -10193,7 +10193,7 @@
               </a:ln>
               <a:extLst>
                 <a:ext uri="{91240B29-F687-4f45-9708-019B960494DF}">
-                  <a14:hiddenLine xmlns="" xmlns:a14="http://schemas.microsoft.com/office/drawing/2010/main" w="9525">
+                  <a14:hiddenLine xmlns:a14="http://schemas.microsoft.com/office/drawing/2010/main" xmlns="" w="9525">
                     <a:solidFill>
                       <a:srgbClr val="000000"/>
                     </a:solidFill>
@@ -10227,7 +10227,7 @@
               </a:ln>
               <a:extLst>
                 <a:ext uri="{91240B29-F687-4f45-9708-019B960494DF}">
-                  <a14:hiddenLine xmlns="" xmlns:a14="http://schemas.microsoft.com/office/drawing/2010/main" w="9525">
+                  <a14:hiddenLine xmlns:a14="http://schemas.microsoft.com/office/drawing/2010/main" xmlns="" w="9525">
                     <a:solidFill>
                       <a:srgbClr val="000000"/>
                     </a:solidFill>
@@ -10292,7 +10292,7 @@
               </a:ln>
               <a:extLst>
                 <a:ext uri="{91240B29-F687-4f45-9708-019B960494DF}">
-                  <a14:hiddenLine xmlns="" xmlns:a14="http://schemas.microsoft.com/office/drawing/2010/main" w="9525">
+                  <a14:hiddenLine xmlns:a14="http://schemas.microsoft.com/office/drawing/2010/main" xmlns="" w="9525">
                     <a:solidFill>
                       <a:srgbClr val="000000"/>
                     </a:solidFill>
@@ -10382,7 +10382,7 @@
               </a:ln>
               <a:extLst>
                 <a:ext uri="{91240B29-F687-4f45-9708-019B960494DF}">
-                  <a14:hiddenLine xmlns="" xmlns:a14="http://schemas.microsoft.com/office/drawing/2010/main" w="9525">
+                  <a14:hiddenLine xmlns:a14="http://schemas.microsoft.com/office/drawing/2010/main" xmlns="" w="9525">
                     <a:solidFill>
                       <a:srgbClr val="000000"/>
                     </a:solidFill>
@@ -10444,7 +10444,7 @@
               </a:ln>
               <a:extLst>
                 <a:ext uri="{91240B29-F687-4f45-9708-019B960494DF}">
-                  <a14:hiddenLine xmlns="" xmlns:a14="http://schemas.microsoft.com/office/drawing/2010/main" w="9525">
+                  <a14:hiddenLine xmlns:a14="http://schemas.microsoft.com/office/drawing/2010/main" xmlns="" w="9525">
                     <a:solidFill>
                       <a:srgbClr val="000000"/>
                     </a:solidFill>
@@ -10534,7 +10534,7 @@
               </a:ln>
               <a:extLst>
                 <a:ext uri="{91240B29-F687-4f45-9708-019B960494DF}">
-                  <a14:hiddenLine xmlns="" xmlns:a14="http://schemas.microsoft.com/office/drawing/2010/main" w="9525">
+                  <a14:hiddenLine xmlns:a14="http://schemas.microsoft.com/office/drawing/2010/main" xmlns="" w="9525">
                     <a:solidFill>
                       <a:srgbClr val="000000"/>
                     </a:solidFill>
@@ -10599,7 +10599,7 @@
               </a:ln>
               <a:extLst>
                 <a:ext uri="{91240B29-F687-4f45-9708-019B960494DF}">
-                  <a14:hiddenLine xmlns="" xmlns:a14="http://schemas.microsoft.com/office/drawing/2010/main" w="9525">
+                  <a14:hiddenLine xmlns:a14="http://schemas.microsoft.com/office/drawing/2010/main" xmlns="" w="9525">
                     <a:solidFill>
                       <a:srgbClr val="000000"/>
                     </a:solidFill>
@@ -10661,7 +10661,7 @@
               </a:ln>
               <a:extLst>
                 <a:ext uri="{91240B29-F687-4f45-9708-019B960494DF}">
-                  <a14:hiddenLine xmlns="" xmlns:a14="http://schemas.microsoft.com/office/drawing/2010/main" w="9525">
+                  <a14:hiddenLine xmlns:a14="http://schemas.microsoft.com/office/drawing/2010/main" xmlns="" w="9525">
                     <a:solidFill>
                       <a:srgbClr val="000000"/>
                     </a:solidFill>
@@ -10751,7 +10751,7 @@
               </a:ln>
               <a:extLst>
                 <a:ext uri="{91240B29-F687-4f45-9708-019B960494DF}">
-                  <a14:hiddenLine xmlns="" xmlns:a14="http://schemas.microsoft.com/office/drawing/2010/main" w="9525">
+                  <a14:hiddenLine xmlns:a14="http://schemas.microsoft.com/office/drawing/2010/main" xmlns="" w="9525">
                     <a:solidFill>
                       <a:srgbClr val="000000"/>
                     </a:solidFill>
@@ -10841,7 +10841,7 @@
               </a:ln>
               <a:extLst>
                 <a:ext uri="{91240B29-F687-4f45-9708-019B960494DF}">
-                  <a14:hiddenLine xmlns="" xmlns:a14="http://schemas.microsoft.com/office/drawing/2010/main" w="9525">
+                  <a14:hiddenLine xmlns:a14="http://schemas.microsoft.com/office/drawing/2010/main" xmlns="" w="9525">
                     <a:solidFill>
                       <a:srgbClr val="000000"/>
                     </a:solidFill>
@@ -10906,7 +10906,7 @@
               </a:ln>
               <a:extLst>
                 <a:ext uri="{91240B29-F687-4f45-9708-019B960494DF}">
-                  <a14:hiddenLine xmlns="" xmlns:a14="http://schemas.microsoft.com/office/drawing/2010/main" w="9525">
+                  <a14:hiddenLine xmlns:a14="http://schemas.microsoft.com/office/drawing/2010/main" xmlns="" w="9525">
                     <a:solidFill>
                       <a:srgbClr val="000000"/>
                     </a:solidFill>
@@ -11026,7 +11026,7 @@
               </a:ln>
               <a:extLst>
                 <a:ext uri="{91240B29-F687-4f45-9708-019B960494DF}">
-                  <a14:hiddenLine xmlns="" xmlns:a14="http://schemas.microsoft.com/office/drawing/2010/main" w="9525">
+                  <a14:hiddenLine xmlns:a14="http://schemas.microsoft.com/office/drawing/2010/main" xmlns="" w="9525">
                     <a:solidFill>
                       <a:srgbClr val="000000"/>
                     </a:solidFill>
@@ -11107,7 +11107,7 @@
               </a:ln>
               <a:extLst>
                 <a:ext uri="{91240B29-F687-4f45-9708-019B960494DF}">
-                  <a14:hiddenLine xmlns="" xmlns:a14="http://schemas.microsoft.com/office/drawing/2010/main" w="9525">
+                  <a14:hiddenLine xmlns:a14="http://schemas.microsoft.com/office/drawing/2010/main" xmlns="" w="9525">
                     <a:solidFill>
                       <a:srgbClr val="000000"/>
                     </a:solidFill>
@@ -11222,7 +11222,7 @@
               </a:ln>
               <a:extLst>
                 <a:ext uri="{91240B29-F687-4f45-9708-019B960494DF}">
-                  <a14:hiddenLine xmlns="" xmlns:a14="http://schemas.microsoft.com/office/drawing/2010/main" w="9525">
+                  <a14:hiddenLine xmlns:a14="http://schemas.microsoft.com/office/drawing/2010/main" xmlns="" w="9525">
                     <a:solidFill>
                       <a:srgbClr val="000000"/>
                     </a:solidFill>
@@ -11312,7 +11312,7 @@
               </a:ln>
               <a:extLst>
                 <a:ext uri="{91240B29-F687-4f45-9708-019B960494DF}">
-                  <a14:hiddenLine xmlns="" xmlns:a14="http://schemas.microsoft.com/office/drawing/2010/main" w="9525">
+                  <a14:hiddenLine xmlns:a14="http://schemas.microsoft.com/office/drawing/2010/main" xmlns="" w="9525">
                     <a:solidFill>
                       <a:srgbClr val="000000"/>
                     </a:solidFill>
@@ -11377,7 +11377,7 @@
               </a:ln>
               <a:extLst>
                 <a:ext uri="{91240B29-F687-4f45-9708-019B960494DF}">
-                  <a14:hiddenLine xmlns="" xmlns:a14="http://schemas.microsoft.com/office/drawing/2010/main" w="9525">
+                  <a14:hiddenLine xmlns:a14="http://schemas.microsoft.com/office/drawing/2010/main" xmlns="" w="9525">
                     <a:solidFill>
                       <a:srgbClr val="000000"/>
                     </a:solidFill>
@@ -11467,7 +11467,7 @@
               </a:ln>
               <a:extLst>
                 <a:ext uri="{91240B29-F687-4f45-9708-019B960494DF}">
-                  <a14:hiddenLine xmlns="" xmlns:a14="http://schemas.microsoft.com/office/drawing/2010/main" w="9525">
+                  <a14:hiddenLine xmlns:a14="http://schemas.microsoft.com/office/drawing/2010/main" xmlns="" w="9525">
                     <a:solidFill>
                       <a:srgbClr val="000000"/>
                     </a:solidFill>
@@ -11535,7 +11535,7 @@
               </a:ln>
               <a:extLst>
                 <a:ext uri="{91240B29-F687-4f45-9708-019B960494DF}">
-                  <a14:hiddenLine xmlns="" xmlns:a14="http://schemas.microsoft.com/office/drawing/2010/main" w="9525">
+                  <a14:hiddenLine xmlns:a14="http://schemas.microsoft.com/office/drawing/2010/main" xmlns="" w="9525">
                     <a:solidFill>
                       <a:srgbClr val="000000"/>
                     </a:solidFill>
@@ -11625,7 +11625,7 @@
               </a:ln>
               <a:extLst>
                 <a:ext uri="{91240B29-F687-4f45-9708-019B960494DF}">
-                  <a14:hiddenLine xmlns="" xmlns:a14="http://schemas.microsoft.com/office/drawing/2010/main" w="9525">
+                  <a14:hiddenLine xmlns:a14="http://schemas.microsoft.com/office/drawing/2010/main" xmlns="" w="9525">
                     <a:solidFill>
                       <a:srgbClr val="000000"/>
                     </a:solidFill>
@@ -11693,7 +11693,7 @@
               </a:ln>
               <a:extLst>
                 <a:ext uri="{91240B29-F687-4f45-9708-019B960494DF}">
-                  <a14:hiddenLine xmlns="" xmlns:a14="http://schemas.microsoft.com/office/drawing/2010/main" w="9525">
+                  <a14:hiddenLine xmlns:a14="http://schemas.microsoft.com/office/drawing/2010/main" xmlns="" w="9525">
                     <a:solidFill>
                       <a:srgbClr val="000000"/>
                     </a:solidFill>
@@ -11783,7 +11783,7 @@
               </a:ln>
               <a:extLst>
                 <a:ext uri="{91240B29-F687-4f45-9708-019B960494DF}">
-                  <a14:hiddenLine xmlns="" xmlns:a14="http://schemas.microsoft.com/office/drawing/2010/main" w="9525">
+                  <a14:hiddenLine xmlns:a14="http://schemas.microsoft.com/office/drawing/2010/main" xmlns="" w="9525">
                     <a:solidFill>
                       <a:srgbClr val="000000"/>
                     </a:solidFill>
@@ -11817,7 +11817,7 @@
               </a:ln>
               <a:extLst>
                 <a:ext uri="{91240B29-F687-4f45-9708-019B960494DF}">
-                  <a14:hiddenLine xmlns="" xmlns:a14="http://schemas.microsoft.com/office/drawing/2010/main" w="9525">
+                  <a14:hiddenLine xmlns:a14="http://schemas.microsoft.com/office/drawing/2010/main" xmlns="" w="9525">
                     <a:solidFill>
                       <a:srgbClr val="000000"/>
                     </a:solidFill>
@@ -11958,7 +11958,7 @@
             <a:fld id="{48A87A34-81AB-432B-8DAE-1953F412C126}" type="datetimeFigureOut">
               <a:rPr lang="en-US" dirty="0"/>
               <a:pPr/>
-              <a:t>9/30/2021</a:t>
+              <a:t>10/20/2021</a:t>
             </a:fld>
             <a:endParaRPr lang="en-US" dirty="0"/>
           </a:p>
